--- a/糕点订购系统答辩.pptx
+++ b/糕点订购系统答辩.pptx
@@ -5,20 +5,20 @@
     <p:sldMasterId id="2147483648" r:id="rId1"/>
   </p:sldMasterIdLst>
   <p:notesMasterIdLst>
-    <p:notesMasterId r:id="rId4"/>
+    <p:notesMasterId r:id="rId10"/>
   </p:notesMasterIdLst>
   <p:handoutMasterIdLst>
-    <p:handoutMasterId r:id="rId12"/>
+    <p:handoutMasterId r:id="rId11"/>
   </p:handoutMasterIdLst>
   <p:sldIdLst>
-    <p:sldId id="348" r:id="rId3"/>
-    <p:sldId id="349" r:id="rId5"/>
-    <p:sldId id="268" r:id="rId6"/>
-    <p:sldId id="350" r:id="rId7"/>
-    <p:sldId id="351" r:id="rId8"/>
-    <p:sldId id="352" r:id="rId9"/>
-    <p:sldId id="353" r:id="rId10"/>
-    <p:sldId id="354" r:id="rId11"/>
+    <p:sldId id="348" r:id="rId2"/>
+    <p:sldId id="349" r:id="rId3"/>
+    <p:sldId id="268" r:id="rId4"/>
+    <p:sldId id="350" r:id="rId5"/>
+    <p:sldId id="351" r:id="rId6"/>
+    <p:sldId id="352" r:id="rId7"/>
+    <p:sldId id="353" r:id="rId8"/>
+    <p:sldId id="354" r:id="rId9"/>
   </p:sldIdLst>
   <p:sldSz cx="12192000" cy="6858000"/>
   <p:notesSz cx="6858000" cy="9144000"/>
@@ -117,6 +117,14 @@
       </a:defRPr>
     </a:lvl9pPr>
   </p:defaultTextStyle>
+  <p:extLst>
+    <p:ext uri="{EFAFB233-063F-42B5-8137-9DF3F51BA10A}">
+      <p15:sldGuideLst xmlns:p15="http://schemas.microsoft.com/office/powerpoint/2012/main"/>
+    </p:ext>
+    <p:ext uri="{2D200454-40CA-4A62-9FC3-DE9A4176ACB9}">
+      <p15:notesGuideLst xmlns:p15="http://schemas.microsoft.com/office/powerpoint/2012/main"/>
+    </p:ext>
+  </p:extLst>
 </p:presentation>
 </file>
 
@@ -210,6 +218,7 @@
                 <a:latin typeface="Microsoft YaHei UI" panose="020B0503020204020204" pitchFamily="34" charset="-122"/>
                 <a:ea typeface="Microsoft YaHei UI" panose="020B0503020204020204" pitchFamily="34" charset="-122"/>
               </a:rPr>
+              <a:t>2021/12/19</a:t>
             </a:fld>
             <a:endParaRPr lang="zh-CN" altLang="en-US" dirty="0">
               <a:latin typeface="Microsoft YaHei UI" panose="020B0503020204020204" pitchFamily="34" charset="-122"/>
@@ -286,6 +295,7 @@
                 <a:latin typeface="Microsoft YaHei UI" panose="020B0503020204020204" pitchFamily="34" charset="-122"/>
                 <a:ea typeface="Microsoft YaHei UI" panose="020B0503020204020204" pitchFamily="34" charset="-122"/>
               </a:rPr>
+              <a:t>‹#›</a:t>
             </a:fld>
             <a:endParaRPr lang="zh-CN" altLang="en-US" dirty="0">
               <a:latin typeface="Microsoft YaHei UI" panose="020B0503020204020204" pitchFamily="34" charset="-122"/>
@@ -295,6 +305,11 @@
         </p:txBody>
       </p:sp>
     </p:spTree>
+    <p:extLst>
+      <p:ext uri="{BB962C8B-B14F-4D97-AF65-F5344CB8AC3E}">
+        <p14:creationId xmlns:p14="http://schemas.microsoft.com/office/powerpoint/2010/main" val="1"/>
+      </p:ext>
+    </p:extLst>
   </p:cSld>
   <p:clrMap bg1="lt1" tx1="dk1" bg2="lt2" tx2="dk2" accent1="accent1" accent2="accent2" accent3="accent3" accent4="accent4" accent5="accent5" accent6="accent6" hlink="hlink" folHlink="folHlink"/>
   <p:hf hdr="0" ftr="0" dt="0"/>
@@ -389,6 +404,7 @@
           <a:p>
             <a:fld id="{6DA018B7-25C7-40E8-838D-A07AF4F1048E}" type="datetime1">
               <a:rPr lang="zh-CN" altLang="en-US" noProof="0" smtClean="0"/>
+              <a:t>2021/12/19</a:t>
             </a:fld>
             <a:endParaRPr lang="zh-CN" altLang="en-US" noProof="0" dirty="0"/>
           </a:p>
@@ -456,7 +472,6 @@
               <a:rPr lang="zh-CN" altLang="en-US" noProof="0" dirty="0"/>
               <a:t>单击此处编辑母版文本样式</a:t>
             </a:r>
-            <a:endParaRPr lang="zh-CN" altLang="en-US" noProof="0" dirty="0"/>
           </a:p>
           <a:p>
             <a:pPr lvl="1" rtl="0"/>
@@ -464,7 +479,6 @@
               <a:rPr lang="zh-CN" altLang="en-US" noProof="0" dirty="0"/>
               <a:t>第二级</a:t>
             </a:r>
-            <a:endParaRPr lang="zh-CN" altLang="en-US" noProof="0" dirty="0"/>
           </a:p>
           <a:p>
             <a:pPr lvl="2" rtl="0"/>
@@ -472,7 +486,6 @@
               <a:rPr lang="zh-CN" altLang="en-US" noProof="0" dirty="0"/>
               <a:t>第三级</a:t>
             </a:r>
-            <a:endParaRPr lang="zh-CN" altLang="en-US" noProof="0" dirty="0"/>
           </a:p>
           <a:p>
             <a:pPr lvl="3" rtl="0"/>
@@ -480,7 +493,6 @@
               <a:rPr lang="zh-CN" altLang="en-US" noProof="0" dirty="0"/>
               <a:t>第四级</a:t>
             </a:r>
-            <a:endParaRPr lang="zh-CN" altLang="en-US" noProof="0" dirty="0"/>
           </a:p>
           <a:p>
             <a:pPr lvl="4" rtl="0"/>
@@ -488,7 +500,6 @@
               <a:rPr lang="zh-CN" altLang="en-US" noProof="0" dirty="0"/>
               <a:t>第五级</a:t>
             </a:r>
-            <a:endParaRPr lang="zh-CN" altLang="en-US" noProof="0" dirty="0"/>
           </a:p>
         </p:txBody>
       </p:sp>
@@ -558,6 +569,7 @@
           <a:p>
             <a:fld id="{34DD8812-632B-44E3-B183-D20ADC793C3A}" type="slidenum">
               <a:rPr lang="en-US" altLang="zh-CN" noProof="0" smtClean="0"/>
+              <a:t>‹#›</a:t>
             </a:fld>
             <a:endParaRPr lang="zh-CN" altLang="en-US" noProof="0" dirty="0"/>
           </a:p>
@@ -735,6 +747,7 @@
                 <a:latin typeface="Microsoft YaHei UI" panose="020B0503020204020204" pitchFamily="34" charset="-122"/>
                 <a:ea typeface="Microsoft YaHei UI" panose="020B0503020204020204" pitchFamily="34" charset="-122"/>
               </a:rPr>
+              <a:t>1</a:t>
             </a:fld>
             <a:endParaRPr lang="zh-CN" altLang="en-US" dirty="0">
               <a:latin typeface="Microsoft YaHei UI" panose="020B0503020204020204" pitchFamily="34" charset="-122"/>
@@ -824,6 +837,7 @@
                 <a:latin typeface="Microsoft YaHei UI" panose="020B0503020204020204" pitchFamily="34" charset="-122"/>
                 <a:ea typeface="Microsoft YaHei UI" panose="020B0503020204020204" pitchFamily="34" charset="-122"/>
               </a:rPr>
+              <a:t>2</a:t>
             </a:fld>
             <a:endParaRPr lang="zh-CN" altLang="en-US" dirty="0">
               <a:latin typeface="Microsoft YaHei UI" panose="020B0503020204020204" pitchFamily="34" charset="-122"/>
@@ -913,6 +927,7 @@
                 <a:latin typeface="Microsoft YaHei UI" panose="020B0503020204020204" pitchFamily="34" charset="-122"/>
                 <a:ea typeface="Microsoft YaHei UI" panose="020B0503020204020204" pitchFamily="34" charset="-122"/>
               </a:rPr>
+              <a:t>3</a:t>
             </a:fld>
             <a:endParaRPr lang="zh-CN" altLang="en-US" dirty="0">
               <a:latin typeface="Microsoft YaHei UI" panose="020B0503020204020204" pitchFamily="34" charset="-122"/>
@@ -1002,6 +1017,7 @@
                 <a:latin typeface="Microsoft YaHei UI" panose="020B0503020204020204" pitchFamily="34" charset="-122"/>
                 <a:ea typeface="Microsoft YaHei UI" panose="020B0503020204020204" pitchFamily="34" charset="-122"/>
               </a:rPr>
+              <a:t>4</a:t>
             </a:fld>
             <a:endParaRPr lang="zh-CN" altLang="en-US" dirty="0">
               <a:latin typeface="Microsoft YaHei UI" panose="020B0503020204020204" pitchFamily="34" charset="-122"/>
@@ -1091,6 +1107,7 @@
                 <a:latin typeface="Microsoft YaHei UI" panose="020B0503020204020204" pitchFamily="34" charset="-122"/>
                 <a:ea typeface="Microsoft YaHei UI" panose="020B0503020204020204" pitchFamily="34" charset="-122"/>
               </a:rPr>
+              <a:t>5</a:t>
             </a:fld>
             <a:endParaRPr lang="zh-CN" altLang="en-US" dirty="0">
               <a:latin typeface="Microsoft YaHei UI" panose="020B0503020204020204" pitchFamily="34" charset="-122"/>
@@ -1180,6 +1197,7 @@
                 <a:latin typeface="Microsoft YaHei UI" panose="020B0503020204020204" pitchFamily="34" charset="-122"/>
                 <a:ea typeface="Microsoft YaHei UI" panose="020B0503020204020204" pitchFamily="34" charset="-122"/>
               </a:rPr>
+              <a:t>6</a:t>
             </a:fld>
             <a:endParaRPr lang="zh-CN" altLang="en-US" dirty="0">
               <a:latin typeface="Microsoft YaHei UI" panose="020B0503020204020204" pitchFamily="34" charset="-122"/>
@@ -1269,6 +1287,7 @@
                 <a:latin typeface="Microsoft YaHei UI" panose="020B0503020204020204" pitchFamily="34" charset="-122"/>
                 <a:ea typeface="Microsoft YaHei UI" panose="020B0503020204020204" pitchFamily="34" charset="-122"/>
               </a:rPr>
+              <a:t>7</a:t>
             </a:fld>
             <a:endParaRPr lang="zh-CN" altLang="en-US" dirty="0">
               <a:latin typeface="Microsoft YaHei UI" panose="020B0503020204020204" pitchFamily="34" charset="-122"/>
@@ -1358,6 +1377,7 @@
                 <a:latin typeface="Microsoft YaHei UI" panose="020B0503020204020204" pitchFamily="34" charset="-122"/>
                 <a:ea typeface="Microsoft YaHei UI" panose="020B0503020204020204" pitchFamily="34" charset="-122"/>
               </a:rPr>
+              <a:t>8</a:t>
             </a:fld>
             <a:endParaRPr lang="zh-CN" altLang="en-US" dirty="0">
               <a:latin typeface="Microsoft YaHei UI" panose="020B0503020204020204" pitchFamily="34" charset="-122"/>
@@ -1375,7 +1395,7 @@
 </file>
 
 <file path=ppt/slideLayouts/slideLayout1.xml><?xml version="1.0" encoding="utf-8"?>
-<p:sldLayout xmlns:a="http://schemas.openxmlformats.org/drawingml/2006/main" xmlns:r="http://schemas.openxmlformats.org/officeDocument/2006/relationships" xmlns:p="http://schemas.openxmlformats.org/presentationml/2006/main" type="title" preserve="1" showMasterSp="0">
+<p:sldLayout xmlns:a="http://schemas.openxmlformats.org/drawingml/2006/main" xmlns:r="http://schemas.openxmlformats.org/officeDocument/2006/relationships" xmlns:p="http://schemas.openxmlformats.org/presentationml/2006/main" showMasterSp="0" type="title" preserve="1">
   <p:cSld name="标题幻灯片">
     <p:spTree>
       <p:nvGrpSpPr>
@@ -1577,6 +1597,7 @@
           <a:p>
             <a:fld id="{41A404CF-1042-4ADE-846A-A8B97ED9DD56}" type="datetime1">
               <a:rPr lang="zh-CN" altLang="en-US" noProof="0" smtClean="0"/>
+              <a:t>2021/12/19</a:t>
             </a:fld>
             <a:endParaRPr lang="zh-CN" altLang="en-US" noProof="0" dirty="0"/>
           </a:p>
@@ -1632,6 +1653,7 @@
           <a:p>
             <a:fld id="{3A98EE3D-8CD1-4C3F-BD1C-C98C9596463C}" type="slidenum">
               <a:rPr lang="en-US" altLang="zh-CN" noProof="0" smtClean="0"/>
+              <a:t>‹#›</a:t>
             </a:fld>
             <a:endParaRPr lang="zh-CN" altLang="en-US" noProof="0" dirty="0"/>
           </a:p>
@@ -1960,7 +1982,6 @@
               <a:rPr lang="zh-CN" altLang="en-US" noProof="0"/>
               <a:t>单击此处编辑母版文本样式</a:t>
             </a:r>
-            <a:endParaRPr lang="zh-CN" altLang="en-US" noProof="0"/>
           </a:p>
           <a:p>
             <a:pPr lvl="1" rtl="0"/>
@@ -1968,7 +1989,6 @@
               <a:rPr lang="zh-CN" altLang="en-US" noProof="0"/>
               <a:t>二级</a:t>
             </a:r>
-            <a:endParaRPr lang="zh-CN" altLang="en-US" noProof="0"/>
           </a:p>
           <a:p>
             <a:pPr lvl="2" rtl="0"/>
@@ -1976,7 +1996,6 @@
               <a:rPr lang="zh-CN" altLang="en-US" noProof="0"/>
               <a:t>三级</a:t>
             </a:r>
-            <a:endParaRPr lang="zh-CN" altLang="en-US" noProof="0"/>
           </a:p>
           <a:p>
             <a:pPr lvl="3" rtl="0"/>
@@ -1984,7 +2003,6 @@
               <a:rPr lang="zh-CN" altLang="en-US" noProof="0"/>
               <a:t>四级</a:t>
             </a:r>
-            <a:endParaRPr lang="zh-CN" altLang="en-US" noProof="0"/>
           </a:p>
           <a:p>
             <a:pPr lvl="4" rtl="0"/>
@@ -2020,6 +2038,7 @@
           <a:p>
             <a:fld id="{C48E6F1B-E46E-42C2-BE93-17F8DED77868}" type="datetime1">
               <a:rPr lang="zh-CN" altLang="en-US" noProof="0" smtClean="0"/>
+              <a:t>2021/12/19</a:t>
             </a:fld>
             <a:endParaRPr lang="zh-CN" altLang="en-US" noProof="0" dirty="0"/>
           </a:p>
@@ -2075,6 +2094,7 @@
           <a:p>
             <a:fld id="{3A98EE3D-8CD1-4C3F-BD1C-C98C9596463C}" type="slidenum">
               <a:rPr lang="en-US" altLang="zh-CN" noProof="0" smtClean="0"/>
+              <a:t>‹#›</a:t>
             </a:fld>
             <a:endParaRPr lang="zh-CN" altLang="en-US" noProof="0" dirty="0"/>
           </a:p>
@@ -2426,7 +2446,6 @@
               <a:rPr lang="zh-CN" altLang="en-US" noProof="0" dirty="0"/>
               <a:t>在此处输入标题</a:t>
             </a:r>
-            <a:endParaRPr lang="zh-CN" altLang="en-US" noProof="0" dirty="0"/>
           </a:p>
         </p:txBody>
       </p:sp>
@@ -2676,6 +2695,7 @@
           <a:p>
             <a:fld id="{3BEA2895-AE5A-47E7-8245-ABA8B7B9FDFA}" type="datetime1">
               <a:rPr lang="zh-CN" altLang="en-US" noProof="0" smtClean="0"/>
+              <a:t>2021/12/19</a:t>
             </a:fld>
             <a:endParaRPr lang="zh-CN" altLang="en-US" noProof="0" dirty="0"/>
           </a:p>
@@ -2731,6 +2751,7 @@
           <a:p>
             <a:fld id="{3A98EE3D-8CD1-4C3F-BD1C-C98C9596463C}" type="slidenum">
               <a:rPr lang="en-US" altLang="zh-CN" noProof="0" smtClean="0"/>
+              <a:t>‹#›</a:t>
             </a:fld>
             <a:endParaRPr lang="zh-CN" altLang="en-US" noProof="0" dirty="0"/>
           </a:p>
@@ -2947,7 +2968,6 @@
               <a:rPr lang="zh-CN" altLang="en-US" noProof="0" dirty="0"/>
               <a:t>在此处输入名称</a:t>
             </a:r>
-            <a:endParaRPr lang="zh-CN" altLang="en-US" noProof="0" dirty="0"/>
           </a:p>
         </p:txBody>
       </p:sp>
@@ -3021,7 +3041,6 @@
               <a:rPr lang="zh-CN" altLang="en-US" noProof="0" dirty="0"/>
               <a:t>在此处输入名称</a:t>
             </a:r>
-            <a:endParaRPr lang="zh-CN" altLang="en-US" noProof="0" dirty="0"/>
           </a:p>
         </p:txBody>
       </p:sp>
@@ -3095,7 +3114,6 @@
               <a:rPr lang="zh-CN" altLang="en-US" noProof="0" dirty="0"/>
               <a:t>在此处输入名称</a:t>
             </a:r>
-            <a:endParaRPr lang="zh-CN" altLang="en-US" noProof="0" dirty="0"/>
           </a:p>
         </p:txBody>
       </p:sp>
@@ -3445,7 +3463,6 @@
               <a:rPr lang="zh-CN" altLang="en-US" noProof="0" dirty="0"/>
               <a:t>在此处输入标题</a:t>
             </a:r>
-            <a:endParaRPr lang="zh-CN" altLang="en-US" noProof="0" dirty="0"/>
           </a:p>
         </p:txBody>
       </p:sp>
@@ -3458,7 +3475,7 @@
 </file>
 
 <file path=ppt/slideLayouts/slideLayout4.xml><?xml version="1.0" encoding="utf-8"?>
-<p:sldLayout xmlns:a="http://schemas.openxmlformats.org/drawingml/2006/main" xmlns:r="http://schemas.openxmlformats.org/officeDocument/2006/relationships" xmlns:p="http://schemas.openxmlformats.org/presentationml/2006/main" preserve="1" showMasterSp="0" userDrawn="1">
+<p:sldLayout xmlns:a="http://schemas.openxmlformats.org/drawingml/2006/main" xmlns:r="http://schemas.openxmlformats.org/officeDocument/2006/relationships" xmlns:p="http://schemas.openxmlformats.org/presentationml/2006/main" showMasterSp="0" preserve="1" userDrawn="1">
   <p:cSld name="节标题">
     <p:bg>
       <p:bgPr>
@@ -3647,7 +3664,6 @@
               <a:rPr lang="zh-CN" altLang="en-US" noProof="0"/>
               <a:t>单击此处编辑母版文本样式</a:t>
             </a:r>
-            <a:endParaRPr lang="zh-CN" altLang="en-US" noProof="0"/>
           </a:p>
         </p:txBody>
       </p:sp>
@@ -3710,6 +3726,7 @@
           <a:p>
             <a:fld id="{E0032DD6-3745-450D-9639-BC1248F9864D}" type="datetime1">
               <a:rPr lang="zh-CN" altLang="en-US" noProof="0" smtClean="0"/>
+              <a:t>2021/12/19</a:t>
             </a:fld>
             <a:endParaRPr lang="zh-CN" altLang="en-US" noProof="0" dirty="0"/>
           </a:p>
@@ -3765,6 +3782,7 @@
           <a:p>
             <a:fld id="{3A98EE3D-8CD1-4C3F-BD1C-C98C9596463C}" type="slidenum">
               <a:rPr lang="en-US" altLang="zh-CN" noProof="0" smtClean="0"/>
+              <a:t>‹#›</a:t>
             </a:fld>
             <a:endParaRPr lang="zh-CN" altLang="en-US" noProof="0" dirty="0"/>
           </a:p>
@@ -4425,7 +4443,6 @@
               <a:rPr lang="zh-CN" altLang="en-US" noProof="0"/>
               <a:t>单击此处编辑母版文本样式</a:t>
             </a:r>
-            <a:endParaRPr lang="zh-CN" altLang="en-US" noProof="0"/>
           </a:p>
           <a:p>
             <a:pPr lvl="1" rtl="0"/>
@@ -4433,7 +4450,6 @@
               <a:rPr lang="zh-CN" altLang="en-US" noProof="0"/>
               <a:t>二级</a:t>
             </a:r>
-            <a:endParaRPr lang="zh-CN" altLang="en-US" noProof="0"/>
           </a:p>
           <a:p>
             <a:pPr lvl="2" rtl="0"/>
@@ -4441,7 +4457,6 @@
               <a:rPr lang="zh-CN" altLang="en-US" noProof="0"/>
               <a:t>三级</a:t>
             </a:r>
-            <a:endParaRPr lang="zh-CN" altLang="en-US" noProof="0"/>
           </a:p>
           <a:p>
             <a:pPr lvl="3" rtl="0"/>
@@ -4449,7 +4464,6 @@
               <a:rPr lang="zh-CN" altLang="en-US" noProof="0"/>
               <a:t>四级</a:t>
             </a:r>
-            <a:endParaRPr lang="zh-CN" altLang="en-US" noProof="0"/>
           </a:p>
           <a:p>
             <a:pPr lvl="4" rtl="0"/>
@@ -4517,7 +4531,6 @@
               <a:rPr lang="zh-CN" altLang="en-US" noProof="0"/>
               <a:t>单击此处编辑母版文本样式</a:t>
             </a:r>
-            <a:endParaRPr lang="zh-CN" altLang="en-US" noProof="0"/>
           </a:p>
           <a:p>
             <a:pPr lvl="1" rtl="0"/>
@@ -4525,7 +4538,6 @@
               <a:rPr lang="zh-CN" altLang="en-US" noProof="0"/>
               <a:t>二级</a:t>
             </a:r>
-            <a:endParaRPr lang="zh-CN" altLang="en-US" noProof="0"/>
           </a:p>
           <a:p>
             <a:pPr lvl="2" rtl="0"/>
@@ -4533,7 +4545,6 @@
               <a:rPr lang="zh-CN" altLang="en-US" noProof="0"/>
               <a:t>三级</a:t>
             </a:r>
-            <a:endParaRPr lang="zh-CN" altLang="en-US" noProof="0"/>
           </a:p>
           <a:p>
             <a:pPr lvl="3" rtl="0"/>
@@ -4541,7 +4552,6 @@
               <a:rPr lang="zh-CN" altLang="en-US" noProof="0"/>
               <a:t>四级</a:t>
             </a:r>
-            <a:endParaRPr lang="zh-CN" altLang="en-US" noProof="0"/>
           </a:p>
           <a:p>
             <a:pPr lvl="4" rtl="0"/>
@@ -4577,6 +4587,7 @@
           <a:p>
             <a:fld id="{E78CBB31-C1FB-4BF0-BD73-96607DE45D60}" type="datetime1">
               <a:rPr lang="zh-CN" altLang="en-US" noProof="0" smtClean="0"/>
+              <a:t>2021/12/19</a:t>
             </a:fld>
             <a:endParaRPr lang="zh-CN" altLang="en-US" noProof="0" dirty="0"/>
           </a:p>
@@ -4632,6 +4643,7 @@
           <a:p>
             <a:fld id="{3A98EE3D-8CD1-4C3F-BD1C-C98C9596463C}" type="slidenum">
               <a:rPr lang="en-US" altLang="zh-CN" noProof="0" smtClean="0"/>
+              <a:t>‹#›</a:t>
             </a:fld>
             <a:endParaRPr lang="zh-CN" altLang="en-US" noProof="0" dirty="0"/>
           </a:p>
@@ -4983,7 +4995,6 @@
               <a:rPr lang="zh-CN" altLang="en-US" noProof="0" dirty="0"/>
               <a:t>在此处输入标题</a:t>
             </a:r>
-            <a:endParaRPr lang="zh-CN" altLang="en-US" noProof="0" dirty="0"/>
           </a:p>
         </p:txBody>
       </p:sp>
@@ -5279,7 +5290,6 @@
               <a:rPr lang="zh-CN" altLang="en-US" noProof="0"/>
               <a:t>单击此处编辑母版文本样式</a:t>
             </a:r>
-            <a:endParaRPr lang="zh-CN" altLang="en-US" noProof="0"/>
           </a:p>
         </p:txBody>
       </p:sp>
@@ -5339,7 +5349,6 @@
               <a:rPr lang="zh-CN" altLang="en-US" noProof="0"/>
               <a:t>单击此处编辑母版文本样式</a:t>
             </a:r>
-            <a:endParaRPr lang="zh-CN" altLang="en-US" noProof="0"/>
           </a:p>
           <a:p>
             <a:pPr lvl="1" rtl="0"/>
@@ -5347,7 +5356,6 @@
               <a:rPr lang="zh-CN" altLang="en-US" noProof="0"/>
               <a:t>二级</a:t>
             </a:r>
-            <a:endParaRPr lang="zh-CN" altLang="en-US" noProof="0"/>
           </a:p>
           <a:p>
             <a:pPr lvl="2" rtl="0"/>
@@ -5355,7 +5363,6 @@
               <a:rPr lang="zh-CN" altLang="en-US" noProof="0"/>
               <a:t>三级</a:t>
             </a:r>
-            <a:endParaRPr lang="zh-CN" altLang="en-US" noProof="0"/>
           </a:p>
           <a:p>
             <a:pPr lvl="3" rtl="0"/>
@@ -5363,7 +5370,6 @@
               <a:rPr lang="zh-CN" altLang="en-US" noProof="0"/>
               <a:t>四级</a:t>
             </a:r>
-            <a:endParaRPr lang="zh-CN" altLang="en-US" noProof="0"/>
           </a:p>
           <a:p>
             <a:pPr lvl="4" rtl="0"/>
@@ -5445,7 +5451,6 @@
               <a:rPr lang="zh-CN" altLang="en-US" noProof="0"/>
               <a:t>单击此处编辑母版文本样式</a:t>
             </a:r>
-            <a:endParaRPr lang="zh-CN" altLang="en-US" noProof="0"/>
           </a:p>
         </p:txBody>
       </p:sp>
@@ -5505,7 +5510,6 @@
               <a:rPr lang="zh-CN" altLang="en-US" noProof="0"/>
               <a:t>单击此处编辑母版文本样式</a:t>
             </a:r>
-            <a:endParaRPr lang="zh-CN" altLang="en-US" noProof="0"/>
           </a:p>
           <a:p>
             <a:pPr lvl="1" rtl="0"/>
@@ -5513,7 +5517,6 @@
               <a:rPr lang="zh-CN" altLang="en-US" noProof="0"/>
               <a:t>二级</a:t>
             </a:r>
-            <a:endParaRPr lang="zh-CN" altLang="en-US" noProof="0"/>
           </a:p>
           <a:p>
             <a:pPr lvl="2" rtl="0"/>
@@ -5521,7 +5524,6 @@
               <a:rPr lang="zh-CN" altLang="en-US" noProof="0"/>
               <a:t>三级</a:t>
             </a:r>
-            <a:endParaRPr lang="zh-CN" altLang="en-US" noProof="0"/>
           </a:p>
           <a:p>
             <a:pPr lvl="3" rtl="0"/>
@@ -5529,7 +5531,6 @@
               <a:rPr lang="zh-CN" altLang="en-US" noProof="0"/>
               <a:t>四级</a:t>
             </a:r>
-            <a:endParaRPr lang="zh-CN" altLang="en-US" noProof="0"/>
           </a:p>
           <a:p>
             <a:pPr lvl="4" rtl="0"/>
@@ -5565,6 +5566,7 @@
           <a:p>
             <a:fld id="{33808204-4C90-47FF-B97A-FA4581BED226}" type="datetime1">
               <a:rPr lang="zh-CN" altLang="en-US" noProof="0" smtClean="0"/>
+              <a:t>2021/12/19</a:t>
             </a:fld>
             <a:endParaRPr lang="zh-CN" altLang="en-US" noProof="0" dirty="0"/>
           </a:p>
@@ -5620,6 +5622,7 @@
           <a:p>
             <a:fld id="{3A98EE3D-8CD1-4C3F-BD1C-C98C9596463C}" type="slidenum">
               <a:rPr lang="en-US" altLang="zh-CN" noProof="0" smtClean="0"/>
+              <a:t>‹#›</a:t>
             </a:fld>
             <a:endParaRPr lang="zh-CN" altLang="en-US" noProof="0" dirty="0"/>
           </a:p>
@@ -5971,7 +5974,6 @@
               <a:rPr lang="zh-CN" altLang="en-US" noProof="0" dirty="0"/>
               <a:t>在此处输入标题</a:t>
             </a:r>
-            <a:endParaRPr lang="zh-CN" altLang="en-US" noProof="0" dirty="0"/>
           </a:p>
         </p:txBody>
       </p:sp>
@@ -6221,6 +6223,7 @@
           <a:p>
             <a:fld id="{2BCAA829-9DFB-4173-9978-E3CA70991D5D}" type="datetime1">
               <a:rPr lang="zh-CN" altLang="en-US" noProof="0" smtClean="0"/>
+              <a:t>2021/12/19</a:t>
             </a:fld>
             <a:endParaRPr lang="zh-CN" altLang="en-US" noProof="0" dirty="0"/>
           </a:p>
@@ -6276,6 +6279,7 @@
           <a:p>
             <a:fld id="{3A98EE3D-8CD1-4C3F-BD1C-C98C9596463C}" type="slidenum">
               <a:rPr lang="en-US" altLang="zh-CN" noProof="0" smtClean="0"/>
+              <a:t>‹#›</a:t>
             </a:fld>
             <a:endParaRPr lang="zh-CN" altLang="en-US" noProof="0" dirty="0"/>
           </a:p>
@@ -6627,7 +6631,6 @@
               <a:rPr lang="zh-CN" altLang="en-US" noProof="0" dirty="0"/>
               <a:t>在此处输入标题</a:t>
             </a:r>
-            <a:endParaRPr lang="zh-CN" altLang="en-US" noProof="0" dirty="0"/>
           </a:p>
         </p:txBody>
       </p:sp>
@@ -6877,6 +6880,7 @@
           <a:p>
             <a:fld id="{FF43D53C-1806-4A83-A211-8671989BB356}" type="datetime1">
               <a:rPr lang="zh-CN" altLang="en-US" noProof="0" smtClean="0"/>
+              <a:t>2021/12/19</a:t>
             </a:fld>
             <a:endParaRPr lang="zh-CN" altLang="en-US" noProof="0" dirty="0"/>
           </a:p>
@@ -6932,6 +6936,7 @@
           <a:p>
             <a:fld id="{3A98EE3D-8CD1-4C3F-BD1C-C98C9596463C}" type="slidenum">
               <a:rPr lang="en-US" altLang="zh-CN" noProof="0" smtClean="0"/>
+              <a:t>‹#›</a:t>
             </a:fld>
             <a:endParaRPr lang="zh-CN" altLang="en-US" noProof="0" dirty="0"/>
           </a:p>
@@ -7283,7 +7288,6 @@
               <a:rPr lang="zh-CN" altLang="en-US" noProof="0" dirty="0"/>
               <a:t>在此处输入标题</a:t>
             </a:r>
-            <a:endParaRPr lang="zh-CN" altLang="en-US" noProof="0" dirty="0"/>
           </a:p>
         </p:txBody>
       </p:sp>
@@ -7485,7 +7489,6 @@
               <a:rPr lang="zh-CN" altLang="en-US" noProof="0"/>
               <a:t>单击此处编辑母版文本样式</a:t>
             </a:r>
-            <a:endParaRPr lang="zh-CN" altLang="en-US" noProof="0"/>
           </a:p>
           <a:p>
             <a:pPr lvl="1" rtl="0"/>
@@ -7493,7 +7496,6 @@
               <a:rPr lang="zh-CN" altLang="en-US" noProof="0"/>
               <a:t>二级</a:t>
             </a:r>
-            <a:endParaRPr lang="zh-CN" altLang="en-US" noProof="0"/>
           </a:p>
           <a:p>
             <a:pPr lvl="2" rtl="0"/>
@@ -7501,7 +7503,6 @@
               <a:rPr lang="zh-CN" altLang="en-US" noProof="0"/>
               <a:t>三级</a:t>
             </a:r>
-            <a:endParaRPr lang="zh-CN" altLang="en-US" noProof="0"/>
           </a:p>
           <a:p>
             <a:pPr lvl="3" rtl="0"/>
@@ -7509,7 +7510,6 @@
               <a:rPr lang="zh-CN" altLang="en-US" noProof="0"/>
               <a:t>四级</a:t>
             </a:r>
-            <a:endParaRPr lang="zh-CN" altLang="en-US" noProof="0"/>
           </a:p>
           <a:p>
             <a:pPr lvl="4" rtl="0"/>
@@ -7530,7 +7530,7 @@
 </file>
 
 <file path=ppt/slideLayouts/slideLayout9.xml><?xml version="1.0" encoding="utf-8"?>
-<p:sldLayout xmlns:a="http://schemas.openxmlformats.org/drawingml/2006/main" xmlns:r="http://schemas.openxmlformats.org/officeDocument/2006/relationships" xmlns:p="http://schemas.openxmlformats.org/presentationml/2006/main" type="blank" preserve="1" showMasterSp="0">
+<p:sldLayout xmlns:a="http://schemas.openxmlformats.org/drawingml/2006/main" xmlns:r="http://schemas.openxmlformats.org/officeDocument/2006/relationships" xmlns:p="http://schemas.openxmlformats.org/presentationml/2006/main" showMasterSp="0" type="blank" preserve="1">
   <p:cSld name="空白">
     <p:spTree>
       <p:nvGrpSpPr>
@@ -7564,6 +7564,7 @@
             <a:pPr rtl="0"/>
             <a:fld id="{02A4ACC5-A778-46B8-BCD4-0E4BAAD40D7F}" type="datetime1">
               <a:rPr lang="zh-CN" altLang="en-US" noProof="0" smtClean="0"/>
+              <a:t>2021/12/19</a:t>
             </a:fld>
             <a:endParaRPr lang="zh-CN" altLang="en-US" noProof="0" dirty="0"/>
           </a:p>
@@ -7607,6 +7608,7 @@
             <a:pPr rtl="0"/>
             <a:fld id="{3A98EE3D-8CD1-4C3F-BD1C-C98C9596463C}" type="slidenum">
               <a:rPr lang="en-US" altLang="zh-CN" noProof="0" smtClean="0"/>
+              <a:t>‹#›</a:t>
             </a:fld>
             <a:endParaRPr lang="zh-CN" altLang="en-US" noProof="0" dirty="0"/>
           </a:p>
@@ -7672,7 +7674,6 @@
               <a:rPr lang="zh-CN" altLang="en-US" noProof="0" dirty="0"/>
               <a:t>单击此处编辑母版标题样式</a:t>
             </a:r>
-            <a:endParaRPr lang="zh-CN" altLang="en-US" noProof="0" dirty="0"/>
           </a:p>
         </p:txBody>
       </p:sp>
@@ -7706,7 +7707,6 @@
               <a:rPr lang="zh-CN" altLang="en-US" noProof="0" dirty="0"/>
               <a:t>单击此处编辑母版文本样式</a:t>
             </a:r>
-            <a:endParaRPr lang="zh-CN" altLang="en-US" noProof="0" dirty="0"/>
           </a:p>
           <a:p>
             <a:pPr lvl="1" rtl="0"/>
@@ -7714,7 +7714,6 @@
               <a:rPr lang="zh-CN" altLang="en-US" noProof="0" dirty="0"/>
               <a:t>第二级</a:t>
             </a:r>
-            <a:endParaRPr lang="zh-CN" altLang="en-US" noProof="0" dirty="0"/>
           </a:p>
           <a:p>
             <a:pPr lvl="2" rtl="0"/>
@@ -7722,7 +7721,6 @@
               <a:rPr lang="zh-CN" altLang="en-US" noProof="0" dirty="0"/>
               <a:t>第三级</a:t>
             </a:r>
-            <a:endParaRPr lang="zh-CN" altLang="en-US" noProof="0" dirty="0"/>
           </a:p>
           <a:p>
             <a:pPr lvl="3" rtl="0"/>
@@ -7730,7 +7728,6 @@
               <a:rPr lang="zh-CN" altLang="en-US" noProof="0" dirty="0"/>
               <a:t>第四级</a:t>
             </a:r>
-            <a:endParaRPr lang="zh-CN" altLang="en-US" noProof="0" dirty="0"/>
           </a:p>
           <a:p>
             <a:pPr lvl="4" rtl="0"/>
@@ -7738,7 +7735,6 @@
               <a:rPr lang="zh-CN" altLang="en-US" noProof="0" dirty="0"/>
               <a:t>第五级</a:t>
             </a:r>
-            <a:endParaRPr lang="zh-CN" altLang="en-US" noProof="0" dirty="0"/>
           </a:p>
         </p:txBody>
       </p:sp>
@@ -7777,6 +7773,7 @@
           <a:p>
             <a:fld id="{746A4FBD-32D7-4F41-8EDC-A34B0FECF966}" type="datetime1">
               <a:rPr lang="zh-CN" altLang="en-US" noProof="0" smtClean="0"/>
+              <a:t>2021/12/19</a:t>
             </a:fld>
             <a:endParaRPr lang="zh-CN" altLang="en-US" noProof="0" dirty="0"/>
           </a:p>
@@ -7854,6 +7851,7 @@
           <a:p>
             <a:fld id="{3A98EE3D-8CD1-4C3F-BD1C-C98C9596463C}" type="slidenum">
               <a:rPr lang="en-US" altLang="zh-CN" noProof="0" smtClean="0"/>
+              <a:t>‹#›</a:t>
             </a:fld>
             <a:endParaRPr lang="zh-CN" altLang="en-US" noProof="0" dirty="0"/>
           </a:p>
@@ -8240,7 +8238,7 @@
     <p:bg>
       <p:bgPr>
         <a:blipFill dpi="0" rotWithShape="1">
-          <a:blip r:embed="rId1">
+          <a:blip r:embed="rId3">
             <a:alphaModFix amt="45000"/>
             <a:lum/>
           </a:blip>
@@ -8312,26 +8310,6 @@
               </a:rPr>
               <a:t>糕点订购系统答辩</a:t>
             </a:r>
-            <a:endParaRPr lang="zh-CN" altLang="en-US" sz="7200" b="1" spc="0" dirty="0">
-              <a:ln w="10160">
-                <a:solidFill>
-                  <a:schemeClr val="bg1"/>
-                </a:solidFill>
-                <a:prstDash val="solid"/>
-              </a:ln>
-              <a:solidFill>
-                <a:schemeClr val="tx2"/>
-              </a:solidFill>
-              <a:effectLst>
-                <a:outerShdw blurRad="38100" dist="38100" dir="2700000" algn="tl">
-                  <a:srgbClr val="000000">
-                    <a:alpha val="43137"/>
-                  </a:srgbClr>
-                </a:outerShdw>
-              </a:effectLst>
-              <a:latin typeface="隶书" panose="02010509060101010101" pitchFamily="49" charset="-122"/>
-              <a:ea typeface="隶书" panose="02010509060101010101" pitchFamily="49" charset="-122"/>
-            </a:endParaRPr>
           </a:p>
         </p:txBody>
       </p:sp>
@@ -8371,7 +8349,6 @@
               <a:rPr lang="zh-CN" altLang="en-US" dirty="0"/>
               <a:t>组：吴臻海、赵珅、田伟、王宇航</a:t>
             </a:r>
-            <a:endParaRPr lang="zh-CN" altLang="en-US" dirty="0"/>
           </a:p>
         </p:txBody>
       </p:sp>
@@ -8384,7 +8361,7 @@
           <p:nvPr/>
         </p:nvPicPr>
         <p:blipFill>
-          <a:blip r:embed="rId2"/>
+          <a:blip r:embed="rId4"/>
           <a:stretch>
             <a:fillRect/>
           </a:stretch>
@@ -8414,7 +8391,7 @@
           <p:nvPr/>
         </p:nvPicPr>
         <p:blipFill>
-          <a:blip r:embed="rId3"/>
+          <a:blip r:embed="rId5"/>
           <a:stretch>
             <a:fillRect/>
           </a:stretch>
@@ -8444,7 +8421,7 @@
           <p:nvPr/>
         </p:nvPicPr>
         <p:blipFill>
-          <a:blip r:embed="rId4"/>
+          <a:blip r:embed="rId6"/>
           <a:stretch>
             <a:fillRect/>
           </a:stretch>
@@ -8492,6 +8469,53 @@
       </p:grpSpPr>
       <p:sp>
         <p:nvSpPr>
+          <p:cNvPr id="6" name="椭圆 5"/>
+          <p:cNvSpPr/>
+          <p:nvPr/>
+        </p:nvSpPr>
+        <p:spPr>
+          <a:xfrm>
+            <a:off x="1657349" y="-921189"/>
+            <a:ext cx="8382000" cy="8382000"/>
+          </a:xfrm>
+          <a:prstGeom prst="ellipse">
+            <a:avLst/>
+          </a:prstGeom>
+          <a:solidFill>
+            <a:schemeClr val="bg1">
+              <a:lumMod val="95000"/>
+              <a:alpha val="50000"/>
+            </a:schemeClr>
+          </a:solidFill>
+          <a:ln>
+            <a:noFill/>
+          </a:ln>
+        </p:spPr>
+        <p:style>
+          <a:lnRef idx="0">
+            <a:scrgbClr r="0" g="0" b="0"/>
+          </a:lnRef>
+          <a:fillRef idx="0">
+            <a:scrgbClr r="0" g="0" b="0"/>
+          </a:fillRef>
+          <a:effectRef idx="0">
+            <a:scrgbClr r="0" g="0" b="0"/>
+          </a:effectRef>
+          <a:fontRef idx="minor">
+            <a:schemeClr val="lt1"/>
+          </a:fontRef>
+        </p:style>
+        <p:txBody>
+          <a:bodyPr rtlCol="0" anchor="ctr"/>
+          <a:lstStyle/>
+          <a:p>
+            <a:pPr algn="ctr"/>
+            <a:endParaRPr lang="zh-CN" altLang="en-US" dirty="0"/>
+          </a:p>
+        </p:txBody>
+      </p:sp>
+      <p:sp>
+        <p:nvSpPr>
           <p:cNvPr id="2" name="标题 1"/>
           <p:cNvSpPr>
             <a:spLocks noGrp="1"/>
@@ -8531,21 +8555,6 @@
               </a:rPr>
               <a:t>目录：</a:t>
             </a:r>
-            <a:endParaRPr lang="zh-CN" altLang="en-US" sz="6600" b="1" spc="0" dirty="0">
-              <a:ln w="22225">
-                <a:solidFill>
-                  <a:schemeClr val="bg1"/>
-                </a:solidFill>
-                <a:prstDash val="solid"/>
-              </a:ln>
-              <a:solidFill>
-                <a:schemeClr val="bg1">
-                  <a:lumMod val="65000"/>
-                </a:schemeClr>
-              </a:solidFill>
-              <a:latin typeface="+mn-ea"/>
-              <a:ea typeface="+mn-ea"/>
-            </a:endParaRPr>
           </a:p>
         </p:txBody>
       </p:sp>
@@ -8627,7 +8636,7 @@
                 <a:latin typeface="+mn-ea"/>
                 <a:ea typeface="+mn-ea"/>
               </a:rPr>
-              <a:t>背景</a:t>
+              <a:t>回顾</a:t>
             </a:r>
             <a:r>
               <a:rPr lang="en-US" altLang="zh-CN" sz="3600" b="1" cap="none" spc="50" dirty="0">
@@ -8995,53 +9004,6 @@
           </a:p>
         </p:txBody>
       </p:sp>
-      <p:sp>
-        <p:nvSpPr>
-          <p:cNvPr id="6" name="椭圆 5"/>
-          <p:cNvSpPr/>
-          <p:nvPr/>
-        </p:nvSpPr>
-        <p:spPr>
-          <a:xfrm>
-            <a:off x="1657349" y="-419100"/>
-            <a:ext cx="8382000" cy="8382000"/>
-          </a:xfrm>
-          <a:prstGeom prst="ellipse">
-            <a:avLst/>
-          </a:prstGeom>
-          <a:solidFill>
-            <a:schemeClr val="bg1">
-              <a:lumMod val="95000"/>
-              <a:alpha val="50000"/>
-            </a:schemeClr>
-          </a:solidFill>
-          <a:ln>
-            <a:noFill/>
-          </a:ln>
-        </p:spPr>
-        <p:style>
-          <a:lnRef idx="0">
-            <a:scrgbClr r="0" g="0" b="0"/>
-          </a:lnRef>
-          <a:fillRef idx="0">
-            <a:scrgbClr r="0" g="0" b="0"/>
-          </a:fillRef>
-          <a:effectRef idx="0">
-            <a:scrgbClr r="0" g="0" b="0"/>
-          </a:effectRef>
-          <a:fontRef idx="minor">
-            <a:schemeClr val="lt1"/>
-          </a:fontRef>
-        </p:style>
-        <p:txBody>
-          <a:bodyPr rtlCol="0" anchor="ctr"/>
-          <a:lstStyle/>
-          <a:p>
-            <a:pPr algn="ctr"/>
-            <a:endParaRPr lang="zh-CN" altLang="en-US"/>
-          </a:p>
-        </p:txBody>
-      </p:sp>
     </p:spTree>
   </p:cSld>
   <p:clrMapOvr>
@@ -9085,7 +9047,7 @@
             <a:pPr rtl="0"/>
             <a:r>
               <a:rPr lang="zh-CN" altLang="en-US" dirty="0"/>
-              <a:t>背景</a:t>
+              <a:t>回顾</a:t>
             </a:r>
             <a:endParaRPr lang="zh-CN" altLang="en-US" dirty="0">
               <a:latin typeface="Microsoft YaHei UI" panose="020B0503020204020204" pitchFamily="34" charset="-122"/>
@@ -9134,10 +9096,6 @@
               </a:rPr>
               <a:t>	</a:t>
             </a:r>
-            <a:endParaRPr lang="en-US" altLang="zh-CN" sz="2600" dirty="0">
-              <a:latin typeface="+mn-ea"/>
-              <a:ea typeface="+mn-ea"/>
-            </a:endParaRPr>
           </a:p>
           <a:p>
             <a:pPr marL="201295" lvl="1" indent="0">
@@ -9157,10 +9115,6 @@
               </a:rPr>
               <a:t>糕点订购系统是基于现代都市快节奏的生活而研发的，该系统可以方便于人们对个人喜欢的糕点进行购买，节省了去门店、排队、等出餐的时间，并且线上交易对个人人身安全也有一定保障。</a:t>
             </a:r>
-            <a:endParaRPr lang="zh-CN" altLang="en-US" sz="2600" dirty="0">
-              <a:latin typeface="+mn-ea"/>
-              <a:ea typeface="+mn-ea"/>
-            </a:endParaRPr>
           </a:p>
         </p:txBody>
       </p:sp>
@@ -9198,7 +9152,7 @@
           <p:nvPr/>
         </p:nvPicPr>
         <p:blipFill>
-          <a:blip r:embed="rId1"/>
+          <a:blip r:embed="rId3"/>
           <a:stretch>
             <a:fillRect/>
           </a:stretch>
@@ -9328,10 +9282,6 @@
               </a:rPr>
               <a:t>分工</a:t>
             </a:r>
-            <a:endParaRPr lang="zh-CN" altLang="en-US" dirty="0">
-              <a:latin typeface="Microsoft YaHei UI" panose="020B0503020204020204" pitchFamily="34" charset="-122"/>
-              <a:ea typeface="Microsoft YaHei UI" panose="020B0503020204020204" pitchFamily="34" charset="-122"/>
-            </a:endParaRPr>
           </a:p>
         </p:txBody>
       </p:sp>
@@ -9379,10 +9329,6 @@
               </a:rPr>
               <a:t>:</a:t>
             </a:r>
-            <a:endParaRPr lang="en-US" altLang="zh-CN" sz="2800" dirty="0">
-              <a:latin typeface="+mn-ea"/>
-              <a:ea typeface="+mn-ea"/>
-            </a:endParaRPr>
           </a:p>
           <a:p>
             <a:r>
@@ -9692,10 +9638,6 @@
               </a:rPr>
               <a:t>:</a:t>
             </a:r>
-            <a:endParaRPr lang="en-US" altLang="zh-CN" sz="2800" dirty="0">
-              <a:latin typeface="+mn-ea"/>
-              <a:ea typeface="+mn-ea"/>
-            </a:endParaRPr>
           </a:p>
           <a:p>
             <a:r>
@@ -10008,10 +9950,6 @@
               </a:rPr>
               <a:t>:</a:t>
             </a:r>
-            <a:endParaRPr lang="en-US" altLang="zh-CN" sz="2800" dirty="0">
-              <a:latin typeface="+mn-ea"/>
-              <a:ea typeface="+mn-ea"/>
-            </a:endParaRPr>
           </a:p>
           <a:p>
             <a:r>
@@ -10034,10 +9972,6 @@
               </a:rPr>
               <a:t>订单管理（后台）</a:t>
             </a:r>
-            <a:endParaRPr lang="zh-CN" altLang="en-US" sz="2800" dirty="0">
-              <a:latin typeface="+mn-ea"/>
-              <a:ea typeface="+mn-ea"/>
-            </a:endParaRPr>
           </a:p>
         </p:txBody>
       </p:sp>
@@ -10321,10 +10255,6 @@
               </a:rPr>
               <a:t>:</a:t>
             </a:r>
-            <a:endParaRPr lang="en-US" altLang="zh-CN" sz="3000" dirty="0">
-              <a:latin typeface="+mn-ea"/>
-              <a:ea typeface="+mn-ea"/>
-            </a:endParaRPr>
           </a:p>
           <a:p>
             <a:r>
@@ -10405,10 +10335,6 @@
               </a:rPr>
               <a:t>成果展示</a:t>
             </a:r>
-            <a:endParaRPr lang="zh-CN" altLang="en-US" dirty="0">
-              <a:latin typeface="Microsoft YaHei UI" panose="020B0503020204020204" pitchFamily="34" charset="-122"/>
-              <a:ea typeface="Microsoft YaHei UI" panose="020B0503020204020204" pitchFamily="34" charset="-122"/>
-            </a:endParaRPr>
           </a:p>
         </p:txBody>
       </p:sp>
@@ -10432,12 +10358,12 @@
           <a:bodyPr wrap="square" rtlCol="0">
             <a:spAutoFit/>
           </a:bodyPr>
+          <a:lstStyle/>
           <a:p>
             <a:r>
               <a:rPr lang="zh-CN" altLang="en-US" sz="2800"/>
               <a:t>部分效果图</a:t>
             </a:r>
-            <a:endParaRPr lang="zh-CN" altLang="en-US" sz="2800"/>
           </a:p>
         </p:txBody>
       </p:sp>
@@ -10454,7 +10380,7 @@
           </p:nvPr>
         </p:nvPicPr>
         <p:blipFill>
-          <a:blip r:embed="rId2"/>
+          <a:blip r:embed="rId4"/>
           <a:stretch>
             <a:fillRect/>
           </a:stretch>
@@ -10478,7 +10404,7 @@
           <p:nvPr/>
         </p:nvPicPr>
         <p:blipFill>
-          <a:blip r:embed="rId3"/>
+          <a:blip r:embed="rId5"/>
           <a:stretch>
             <a:fillRect/>
           </a:stretch>
@@ -10565,6 +10491,7 @@
           <a:bodyPr wrap="square" rtlCol="0">
             <a:spAutoFit/>
           </a:bodyPr>
+          <a:lstStyle/>
           <a:p>
             <a:r>
               <a:rPr lang="en-US" altLang="zh-CN" sz="2800">
@@ -10725,20 +10652,6 @@
               </a:rPr>
               <a:t>谢谢观看！</a:t>
             </a:r>
-            <a:endParaRPr lang="zh-CN" altLang="en-US" sz="8000" b="1" dirty="0">
-              <a:ln w="22225">
-                <a:solidFill>
-                  <a:schemeClr val="accent2"/>
-                </a:solidFill>
-                <a:prstDash val="solid"/>
-              </a:ln>
-              <a:solidFill>
-                <a:schemeClr val="accent2">
-                  <a:lumMod val="40000"/>
-                  <a:lumOff val="60000"/>
-                </a:schemeClr>
-              </a:solidFill>
-            </a:endParaRPr>
           </a:p>
         </p:txBody>
       </p:sp>
@@ -10751,7 +10664,7 @@
 </file>
 
 <file path=ppt/tags/tag1.xml><?xml version="1.0" encoding="utf-8"?>
-<p:tagLst xmlns:p="http://schemas.openxmlformats.org/presentationml/2006/main">
+<p:tagLst xmlns:a="http://schemas.openxmlformats.org/drawingml/2006/main" xmlns:r="http://schemas.openxmlformats.org/officeDocument/2006/relationships" xmlns:p="http://schemas.openxmlformats.org/presentationml/2006/main">
   <p:tag name="KSO_WM_UNIT_PLACING_PICTURE_USER_VIEWPORT" val="{&quot;height&quot;:7440,&quot;width&quot;:10410}"/>
 </p:tagLst>
 </file>
@@ -11029,6 +10942,8 @@
       </a:bgFillStyleLst>
     </a:fmtScheme>
   </a:themeElements>
+  <a:objectDefaults/>
+  <a:extraClrSchemeLst/>
   <a:extLst>
     <a:ext uri="{05A4C25C-085E-4340-85A3-A5531E510DB2}">
       <thm15:themeFamily xmlns:thm15="http://schemas.microsoft.com/office/thememl/2012/main" name="Office Theme" id="{62F939B6-93AF-4DB8-9C6B-D6C7DFDC589F}" vid="{4A3C46E8-61CC-4603-A589-7422A47A8E4A}"/>
@@ -11288,6 +11203,8 @@
       </a:bgFillStyleLst>
     </a:fmtScheme>
   </a:themeElements>
+  <a:objectDefaults/>
+  <a:extraClrSchemeLst/>
   <a:extLst>
     <a:ext uri="{05A4C25C-085E-4340-85A3-A5531E510DB2}">
       <thm15:themeFamily xmlns:thm15="http://schemas.microsoft.com/office/thememl/2012/main" name="Office Theme" id="{62F939B6-93AF-4DB8-9C6B-D6C7DFDC589F}" vid="{4A3C46E8-61CC-4603-A589-7422A47A8E4A}"/>
@@ -11547,6 +11464,8 @@
       </a:bgFillStyleLst>
     </a:fmtScheme>
   </a:themeElements>
+  <a:objectDefaults/>
+  <a:extraClrSchemeLst/>
   <a:extLst>
     <a:ext uri="{05A4C25C-085E-4340-85A3-A5531E510DB2}">
       <thm15:themeFamily xmlns:thm15="http://schemas.microsoft.com/office/thememl/2012/main" name="Office Theme" id="{62F939B6-93AF-4DB8-9C6B-D6C7DFDC589F}" vid="{4A3C46E8-61CC-4603-A589-7422A47A8E4A}"/>
